--- a/praesentation/auswertung_muenchen_praesentation.pptx
+++ b/praesentation/auswertung_muenchen_praesentation.pptx
@@ -108,6 +108,11 @@
       </a:defRPr>
     </a:lvl9pPr>
   </p:defaultTextStyle>
+  <p:extLst>
+    <p:ext uri="{EFAFB233-063F-42B5-8137-9DF3F51BA10A}">
+      <p15:sldGuideLst xmlns:p15="http://schemas.microsoft.com/office/powerpoint/2012/main"/>
+    </p:ext>
+  </p:extLst>
 </p:presentation>
 </file>
 
@@ -3570,8 +3575,8 @@
         </p:nvSpPr>
         <p:spPr>
           <a:xfrm>
-            <a:off x="4545746" y="6290156"/>
-            <a:ext cx="3100529" cy="307777"/>
+            <a:off x="5078616" y="6290156"/>
+            <a:ext cx="2034788" cy="307777"/>
           </a:xfrm>
           <a:prstGeom prst="rect">
             <a:avLst/>
@@ -3586,7 +3591,7 @@
           <a:p>
             <a:pPr algn="ctr"/>
             <a:r>
-              <a:rPr lang="de-DE" sz="1400">
+              <a:rPr lang="de-DE" sz="1400" dirty="0">
                 <a:solidFill>
                   <a:schemeClr val="bg2">
                     <a:lumMod val="75000"/>
@@ -3596,7 +3601,7 @@
               <a:t>Florian Kulig, David </a:t>
             </a:r>
             <a:r>
-              <a:rPr lang="de-DE" sz="1400" err="1">
+              <a:rPr lang="de-DE" sz="1400" dirty="0" err="1">
                 <a:solidFill>
                   <a:schemeClr val="bg2">
                     <a:lumMod val="75000"/>
@@ -3605,16 +3610,13 @@
               </a:rPr>
               <a:t>Faiß</a:t>
             </a:r>
-            <a:r>
-              <a:rPr lang="de-DE" sz="1400">
-                <a:solidFill>
-                  <a:schemeClr val="bg2">
-                    <a:lumMod val="75000"/>
-                  </a:schemeClr>
-                </a:solidFill>
-              </a:rPr>
-              <a:t> – Gruppe 8</a:t>
-            </a:r>
+            <a:endParaRPr lang="de-DE" sz="1400" dirty="0">
+              <a:solidFill>
+                <a:schemeClr val="bg2">
+                  <a:lumMod val="75000"/>
+                </a:schemeClr>
+              </a:solidFill>
+            </a:endParaRPr>
           </a:p>
         </p:txBody>
       </p:sp>
@@ -5386,13 +5388,13 @@
   <p:clrMapOvr>
     <a:masterClrMapping/>
   </p:clrMapOvr>
-  <mc:AlternateContent xmlns:mc="http://schemas.openxmlformats.org/markup-compatibility/2006">
-    <mc:Choice xmlns:p159="http://schemas.microsoft.com/office/powerpoint/2015/09/main" Requires="p159">
+  <mc:AlternateContent xmlns:mc="http://schemas.openxmlformats.org/markup-compatibility/2006" xmlns:p159="http://schemas.microsoft.com/office/powerpoint/2015/09/main">
+    <mc:Choice Requires="p159">
       <p:transition xmlns:p14="http://schemas.microsoft.com/office/powerpoint/2010/main" spd="med" p14:dur="600">
         <p159:morph option="byObject"/>
       </p:transition>
     </mc:Choice>
-    <mc:Fallback>
+    <mc:Fallback xmlns="">
       <p:transition spd="med">
         <p:fade/>
       </p:transition>
@@ -6146,13 +6148,13 @@
   <p:clrMapOvr>
     <a:masterClrMapping/>
   </p:clrMapOvr>
-  <mc:AlternateContent xmlns:mc="http://schemas.openxmlformats.org/markup-compatibility/2006">
-    <mc:Choice xmlns:p159="http://schemas.microsoft.com/office/powerpoint/2015/09/main" Requires="p159">
+  <mc:AlternateContent xmlns:mc="http://schemas.openxmlformats.org/markup-compatibility/2006" xmlns:p159="http://schemas.microsoft.com/office/powerpoint/2015/09/main">
+    <mc:Choice Requires="p159">
       <p:transition xmlns:p14="http://schemas.microsoft.com/office/powerpoint/2010/main" spd="med" p14:dur="600">
         <p159:morph option="byObject"/>
       </p:transition>
     </mc:Choice>
-    <mc:Fallback>
+    <mc:Fallback xmlns="">
       <p:transition spd="med">
         <p:fade/>
       </p:transition>

--- a/praesentation/auswertung_muenchen_praesentation.pptx
+++ b/praesentation/auswertung_muenchen_praesentation.pptx
@@ -263,7 +263,7 @@
           <a:p>
             <a:fld id="{2329A7BF-8C25-4EED-B67D-57400EF25DA3}" type="datetimeFigureOut">
               <a:rPr lang="de-DE" smtClean="0"/>
-              <a:t>04.01.2025</a:t>
+              <a:t>04.01.25</a:t>
             </a:fld>
             <a:endParaRPr lang="de-DE"/>
           </a:p>
@@ -461,7 +461,7 @@
           <a:p>
             <a:fld id="{2329A7BF-8C25-4EED-B67D-57400EF25DA3}" type="datetimeFigureOut">
               <a:rPr lang="de-DE" smtClean="0"/>
-              <a:t>04.01.2025</a:t>
+              <a:t>04.01.25</a:t>
             </a:fld>
             <a:endParaRPr lang="de-DE"/>
           </a:p>
@@ -669,7 +669,7 @@
           <a:p>
             <a:fld id="{2329A7BF-8C25-4EED-B67D-57400EF25DA3}" type="datetimeFigureOut">
               <a:rPr lang="de-DE" smtClean="0"/>
-              <a:t>04.01.2025</a:t>
+              <a:t>04.01.25</a:t>
             </a:fld>
             <a:endParaRPr lang="de-DE"/>
           </a:p>
@@ -943,7 +943,7 @@
           <a:p>
             <a:fld id="{2329A7BF-8C25-4EED-B67D-57400EF25DA3}" type="datetimeFigureOut">
               <a:rPr lang="de-DE" smtClean="0"/>
-              <a:t>04.01.2025</a:t>
+              <a:t>04.01.25</a:t>
             </a:fld>
             <a:endParaRPr lang="de-DE"/>
           </a:p>
@@ -1218,7 +1218,7 @@
           <a:p>
             <a:fld id="{2329A7BF-8C25-4EED-B67D-57400EF25DA3}" type="datetimeFigureOut">
               <a:rPr lang="de-DE" smtClean="0"/>
-              <a:t>04.01.2025</a:t>
+              <a:t>04.01.25</a:t>
             </a:fld>
             <a:endParaRPr lang="de-DE"/>
           </a:p>
@@ -1483,7 +1483,7 @@
           <a:p>
             <a:fld id="{2329A7BF-8C25-4EED-B67D-57400EF25DA3}" type="datetimeFigureOut">
               <a:rPr lang="de-DE" smtClean="0"/>
-              <a:t>04.01.2025</a:t>
+              <a:t>04.01.25</a:t>
             </a:fld>
             <a:endParaRPr lang="de-DE"/>
           </a:p>
@@ -1895,7 +1895,7 @@
           <a:p>
             <a:fld id="{2329A7BF-8C25-4EED-B67D-57400EF25DA3}" type="datetimeFigureOut">
               <a:rPr lang="de-DE" smtClean="0"/>
-              <a:t>04.01.2025</a:t>
+              <a:t>04.01.25</a:t>
             </a:fld>
             <a:endParaRPr lang="de-DE"/>
           </a:p>
@@ -2036,7 +2036,7 @@
           <a:p>
             <a:fld id="{2329A7BF-8C25-4EED-B67D-57400EF25DA3}" type="datetimeFigureOut">
               <a:rPr lang="de-DE" smtClean="0"/>
-              <a:t>04.01.2025</a:t>
+              <a:t>04.01.25</a:t>
             </a:fld>
             <a:endParaRPr lang="de-DE"/>
           </a:p>
@@ -2149,7 +2149,7 @@
           <a:p>
             <a:fld id="{2329A7BF-8C25-4EED-B67D-57400EF25DA3}" type="datetimeFigureOut">
               <a:rPr lang="de-DE" smtClean="0"/>
-              <a:t>04.01.2025</a:t>
+              <a:t>04.01.25</a:t>
             </a:fld>
             <a:endParaRPr lang="de-DE"/>
           </a:p>
@@ -2460,7 +2460,7 @@
           <a:p>
             <a:fld id="{2329A7BF-8C25-4EED-B67D-57400EF25DA3}" type="datetimeFigureOut">
               <a:rPr lang="de-DE" smtClean="0"/>
-              <a:t>04.01.2025</a:t>
+              <a:t>04.01.25</a:t>
             </a:fld>
             <a:endParaRPr lang="de-DE"/>
           </a:p>
@@ -2748,7 +2748,7 @@
           <a:p>
             <a:fld id="{2329A7BF-8C25-4EED-B67D-57400EF25DA3}" type="datetimeFigureOut">
               <a:rPr lang="de-DE" smtClean="0"/>
-              <a:t>04.01.2025</a:t>
+              <a:t>04.01.25</a:t>
             </a:fld>
             <a:endParaRPr lang="de-DE"/>
           </a:p>
@@ -2989,7 +2989,7 @@
           <a:p>
             <a:fld id="{2329A7BF-8C25-4EED-B67D-57400EF25DA3}" type="datetimeFigureOut">
               <a:rPr lang="de-DE" smtClean="0"/>
-              <a:t>04.01.2025</a:t>
+              <a:t>04.01.25</a:t>
             </a:fld>
             <a:endParaRPr lang="de-DE"/>
           </a:p>
@@ -3666,8 +3666,8 @@
                   <a:lin ang="5400000" scaled="0"/>
                 </a:gradFill>
                 <a:latin typeface="Urbanist (Überschriften)"/>
-                <a:ea typeface="Urbanist" panose="020B0A04040200000203" pitchFamily="34" charset="0"/>
-                <a:cs typeface="Urbanist" panose="020B0A04040200000203" pitchFamily="34" charset="0"/>
+                <a:ea typeface="Urbanist Black" panose="020B0A04040200000203" pitchFamily="34" charset="0"/>
+                <a:cs typeface="Urbanist Black" panose="020B0A04040200000203" pitchFamily="34" charset="0"/>
               </a:rPr>
               <a:t>Auswertung der </a:t>
             </a:r>
@@ -3688,8 +3688,8 @@
                   <a:lin ang="5400000" scaled="0"/>
                 </a:gradFill>
                 <a:latin typeface="Urbanist (Überschriften)"/>
-                <a:ea typeface="Urbanist" panose="020B0A04040200000203" pitchFamily="34" charset="0"/>
-                <a:cs typeface="Urbanist" panose="020B0A04040200000203" pitchFamily="34" charset="0"/>
+                <a:ea typeface="Urbanist Black" panose="020B0A04040200000203" pitchFamily="34" charset="0"/>
+                <a:cs typeface="Urbanist Black" panose="020B0A04040200000203" pitchFamily="34" charset="0"/>
               </a:rPr>
               <a:t>Fahrradwege</a:t>
             </a:r>
@@ -3710,8 +3710,8 @@
                   <a:lin ang="5400000" scaled="0"/>
                 </a:gradFill>
                 <a:latin typeface="Urbanist (Überschriften)"/>
-                <a:ea typeface="Urbanist" panose="020B0A04040200000203" pitchFamily="34" charset="0"/>
-                <a:cs typeface="Urbanist" panose="020B0A04040200000203" pitchFamily="34" charset="0"/>
+                <a:ea typeface="Urbanist Black" panose="020B0A04040200000203" pitchFamily="34" charset="0"/>
+                <a:cs typeface="Urbanist Black" panose="020B0A04040200000203" pitchFamily="34" charset="0"/>
               </a:rPr>
               <a:t> in München</a:t>
             </a:r>
@@ -3731,8 +3731,8 @@
                 <a:lin ang="5400000" scaled="0"/>
               </a:gradFill>
               <a:latin typeface="Urbanist (Überschriften)"/>
-              <a:ea typeface="Urbanist" panose="020B0A04040200000203" pitchFamily="34" charset="0"/>
-              <a:cs typeface="Urbanist" panose="020B0A04040200000203" pitchFamily="34" charset="0"/>
+              <a:ea typeface="Urbanist Black" panose="020B0A04040200000203" pitchFamily="34" charset="0"/>
+              <a:cs typeface="Urbanist Black" panose="020B0A04040200000203" pitchFamily="34" charset="0"/>
             </a:endParaRPr>
           </a:p>
         </p:txBody>
@@ -4417,19 +4417,7 @@
               <a:rPr lang="de-DE" sz="2000" dirty="0">
                 <a:latin typeface="Gilroy-Medium" panose="00000600000000000000" pitchFamily="2" charset="0"/>
               </a:rPr>
-              <a:t>Steigende tägliche Nutzung (ca. 2,3 </a:t>
-            </a:r>
-            <a:r>
-              <a:rPr lang="de-DE" sz="2000" dirty="0" err="1">
-                <a:latin typeface="Gilroy-Medium" panose="00000600000000000000" pitchFamily="2" charset="0"/>
-              </a:rPr>
-              <a:t>Mio</a:t>
-            </a:r>
-            <a:r>
-              <a:rPr lang="de-DE" sz="2000" dirty="0">
-                <a:latin typeface="Gilroy-Medium" panose="00000600000000000000" pitchFamily="2" charset="0"/>
-              </a:rPr>
-              <a:t>)</a:t>
+              <a:t>Steigende tägliche Nutzung (ca. 2,3 Tsd.)</a:t>
             </a:r>
           </a:p>
           <a:p>
@@ -5959,7 +5947,7 @@
         <p:spPr>
           <a:xfrm>
             <a:off x="196799" y="405470"/>
-            <a:ext cx="5383205" cy="523220"/>
+            <a:ext cx="4325223" cy="523220"/>
           </a:xfrm>
           <a:prstGeom prst="rect">
             <a:avLst/>
@@ -5976,7 +5964,7 @@
               <a:rPr lang="de-DE" sz="2800" b="1" dirty="0">
                 <a:latin typeface="Urbanist (Überschriften)"/>
               </a:rPr>
-              <a:t>Ausfallanalyse und Häufigkeiten</a:t>
+              <a:t>Zeitliche Nutzungsmuster</a:t>
             </a:r>
           </a:p>
         </p:txBody>
@@ -6051,7 +6039,7 @@
               <a:rPr lang="de-DE" sz="2000" dirty="0">
                 <a:latin typeface="Gilroy-Medium" panose="00000600000000000000" pitchFamily="2" charset="0"/>
               </a:rPr>
-              <a:t>Sommermonate weisen eine höhere Nutzung auf, während die Wintermonate deutlich weniger Fahrräder im Einsatz sehen.</a:t>
+              <a:t>Sommermonate weisen eine höhere Nutzung auf, während die Wintermonate deutlich weniger gezählte Fahrräder sehen.</a:t>
             </a:r>
           </a:p>
           <a:p>
@@ -6081,7 +6069,7 @@
               <a:rPr lang="de-DE" sz="2000" dirty="0">
                 <a:latin typeface="Gilroy-Medium" panose="00000600000000000000" pitchFamily="2" charset="0"/>
               </a:rPr>
-              <a:t>Ausbau der Kapazitäten in den Stoßzeiten.</a:t>
+              <a:t>Intensive Wartung und Reinigung im Frühjahr vor Nutzungsanstieg</a:t>
             </a:r>
           </a:p>
           <a:p>
